--- a/AngularJsDia2.pptx
+++ b/AngularJsDia2.pptx
@@ -127,7 +127,7 @@
   </p:defaultTextStyle>
   <p:extLst>
     <p:ext uri="{EFAFB233-063F-42B5-8137-9DF3F51BA10A}">
-      <p15:sldGuideLst xmlns="" xmlns:p15="http://schemas.microsoft.com/office/powerpoint/2012/main"/>
+      <p15:sldGuideLst xmlns:p15="http://schemas.microsoft.com/office/powerpoint/2012/main" xmlns=""/>
     </p:ext>
   </p:extLst>
 </p:presentation>
@@ -215,7 +215,7 @@
           <a:p>
             <a:fld id="{8C691C7F-E92A-684C-B0B2-0907278EFF76}" type="datetime1">
               <a:rPr lang="en-US" smtClean="0"/>
-              <a:t>11/15/2019</a:t>
+              <a:t>11/21/2019</a:t>
             </a:fld>
             <a:endParaRPr lang="en-US"/>
           </a:p>
@@ -381,7 +381,7 @@
           <a:p>
             <a:fld id="{AA528587-23D6-5541-A50D-7BF30358873F}" type="datetime1">
               <a:rPr lang="en-US" smtClean="0"/>
-              <a:t>11/15/2019</a:t>
+              <a:t>11/21/2019</a:t>
             </a:fld>
             <a:endParaRPr lang="en-US"/>
           </a:p>
@@ -945,7 +945,7 @@
           <p:cNvPr id="17" name="Marcador de posición de imagen 1">
             <a:extLst>
               <a:ext uri="{FF2B5EF4-FFF2-40B4-BE49-F238E27FC236}">
-                <a16:creationId xmlns="" xmlns:a16="http://schemas.microsoft.com/office/drawing/2014/main" id="{B3A8A638-D022-9944-934E-37F870B7123E}"/>
+                <a16:creationId xmlns:a16="http://schemas.microsoft.com/office/drawing/2014/main" xmlns="" id="{B3A8A638-D022-9944-934E-37F870B7123E}"/>
               </a:ext>
             </a:extLst>
           </p:cNvPr>
@@ -16180,7 +16180,7 @@
           <p:cNvPr id="9" name="Marcador de posición de imagen 1">
             <a:extLst>
               <a:ext uri="{FF2B5EF4-FFF2-40B4-BE49-F238E27FC236}">
-                <a16:creationId xmlns="" xmlns:a16="http://schemas.microsoft.com/office/drawing/2014/main" id="{B3A8A638-D022-9944-934E-37F870B7123E}"/>
+                <a16:creationId xmlns:a16="http://schemas.microsoft.com/office/drawing/2014/main" xmlns="" id="{B3A8A638-D022-9944-934E-37F870B7123E}"/>
               </a:ext>
             </a:extLst>
           </p:cNvPr>
@@ -17048,7 +17048,7 @@
           </a:ln>
           <a:extLst>
             <a:ext uri="{C572A759-6A51-4108-AA02-DFA0A04FC94B}">
-              <ma14:wrappingTextBoxFlag xmlns:ma14="http://schemas.microsoft.com/office/mac/drawingml/2011/main" xmlns="" val="1"/>
+              <ma14:wrappingTextBoxFlag xmlns="" xmlns:ma14="http://schemas.microsoft.com/office/mac/drawingml/2011/main" val="1"/>
             </a:ext>
           </a:extLst>
         </p:spPr>
@@ -18066,7 +18066,7 @@
           </a:ln>
           <a:extLst>
             <a:ext uri="{C572A759-6A51-4108-AA02-DFA0A04FC94B}">
-              <ma14:wrappingTextBoxFlag xmlns:ma14="http://schemas.microsoft.com/office/mac/drawingml/2011/main" xmlns="" val="1"/>
+              <ma14:wrappingTextBoxFlag xmlns="" xmlns:ma14="http://schemas.microsoft.com/office/mac/drawingml/2011/main" val="1"/>
             </a:ext>
           </a:extLst>
         </p:spPr>
@@ -18716,15 +18716,7 @@
             </a:r>
             <a:r>
               <a:rPr lang="en-US" dirty="0" smtClean="0"/>
-              <a:t> </a:t>
-            </a:r>
-            <a:r>
-              <a:rPr lang="en-US" dirty="0" smtClean="0"/>
-              <a:t>2 </a:t>
-            </a:r>
-            <a:r>
-              <a:rPr lang="en-US" dirty="0" smtClean="0"/>
-              <a:t>- BBVA</a:t>
+              <a:t> 2 - BBVA</a:t>
             </a:r>
             <a:endParaRPr lang="en-US" dirty="0"/>
           </a:p>
@@ -21947,7 +21939,15 @@
           <a:p>
             <a:r>
               <a:rPr lang="es-ES" sz="3600" dirty="0"/>
-              <a:t> (Símbolo "menor qué"): esto sirve para </a:t>
+              <a:t> (Símbolo </a:t>
+            </a:r>
+            <a:r>
+              <a:rPr lang="es-ES" sz="3600" dirty="0" smtClean="0"/>
+              <a:t>“&lt;"): </a:t>
+            </a:r>
+            <a:r>
+              <a:rPr lang="es-ES" sz="3600" dirty="0"/>
+              <a:t>esto sirve para </a:t>
             </a:r>
             <a:r>
               <a:rPr lang="es-ES" sz="3600" dirty="0" err="1"/>
@@ -23170,7 +23170,7 @@
   <a:extraClrSchemeLst/>
   <a:extLst>
     <a:ext uri="{05A4C25C-085E-4340-85A3-A5531E510DB2}">
-      <thm15:themeFamily xmlns="" xmlns:thm15="http://schemas.microsoft.com/office/thememl/2012/main" name="NEORIS" id="{50B8394B-1E43-3542-83BE-641346DFBB2E}" vid="{AF2685E0-F6BD-314B-A992-83A3C45EBA94}"/>
+      <thm15:themeFamily xmlns:thm15="http://schemas.microsoft.com/office/thememl/2012/main" xmlns="" name="NEORIS" id="{50B8394B-1E43-3542-83BE-641346DFBB2E}" vid="{AF2685E0-F6BD-314B-A992-83A3C45EBA94}"/>
     </a:ext>
   </a:extLst>
 </a:theme>
@@ -23431,7 +23431,7 @@
   <a:extraClrSchemeLst/>
   <a:extLst>
     <a:ext uri="{05A4C25C-085E-4340-85A3-A5531E510DB2}">
-      <thm15:themeFamily xmlns="" xmlns:thm15="http://schemas.microsoft.com/office/thememl/2012/main" name="Office Theme" id="{62F939B6-93AF-4DB8-9C6B-D6C7DFDC589F}" vid="{4A3C46E8-61CC-4603-A589-7422A47A8E4A}"/>
+      <thm15:themeFamily xmlns:thm15="http://schemas.microsoft.com/office/thememl/2012/main" xmlns="" name="Office Theme" id="{62F939B6-93AF-4DB8-9C6B-D6C7DFDC589F}" vid="{4A3C46E8-61CC-4603-A589-7422A47A8E4A}"/>
     </a:ext>
   </a:extLst>
 </a:theme>
